--- a/Automated Cheque Processing.pptx
+++ b/Automated Cheque Processing.pptx
@@ -291,6 +291,7 @@
           <a:p>
             <a:fld id="{6C458181-1538-4C54-9664-3950A985C563}" type="datetimeFigureOut">
               <a:rPr lang="en-US" smtClean="0"/>
+              <a:pPr/>
               <a:t>9/6/2022</a:t>
             </a:fld>
             <a:endParaRPr lang="en-US"/>
@@ -333,6 +334,7 @@
           <a:p>
             <a:fld id="{4BC4965A-71B5-4DD6-96D5-7C255D6F298F}" type="slidenum">
               <a:rPr lang="en-US" smtClean="0"/>
+              <a:pPr/>
               <a:t>‹#›</a:t>
             </a:fld>
             <a:endParaRPr lang="en-US"/>
@@ -456,6 +458,7 @@
           <a:p>
             <a:fld id="{6C458181-1538-4C54-9664-3950A985C563}" type="datetimeFigureOut">
               <a:rPr lang="en-US" smtClean="0"/>
+              <a:pPr/>
               <a:t>9/6/2022</a:t>
             </a:fld>
             <a:endParaRPr lang="en-US"/>
@@ -498,6 +501,7 @@
           <a:p>
             <a:fld id="{4BC4965A-71B5-4DD6-96D5-7C255D6F298F}" type="slidenum">
               <a:rPr lang="en-US" smtClean="0"/>
+              <a:pPr/>
               <a:t>‹#›</a:t>
             </a:fld>
             <a:endParaRPr lang="en-US"/>
@@ -631,6 +635,7 @@
           <a:p>
             <a:fld id="{6C458181-1538-4C54-9664-3950A985C563}" type="datetimeFigureOut">
               <a:rPr lang="en-US" smtClean="0"/>
+              <a:pPr/>
               <a:t>9/6/2022</a:t>
             </a:fld>
             <a:endParaRPr lang="en-US"/>
@@ -673,6 +678,7 @@
           <a:p>
             <a:fld id="{4BC4965A-71B5-4DD6-96D5-7C255D6F298F}" type="slidenum">
               <a:rPr lang="en-US" smtClean="0"/>
+              <a:pPr/>
               <a:t>‹#›</a:t>
             </a:fld>
             <a:endParaRPr lang="en-US"/>
@@ -796,6 +802,7 @@
           <a:p>
             <a:fld id="{6C458181-1538-4C54-9664-3950A985C563}" type="datetimeFigureOut">
               <a:rPr lang="en-US" smtClean="0"/>
+              <a:pPr/>
               <a:t>9/6/2022</a:t>
             </a:fld>
             <a:endParaRPr lang="en-US"/>
@@ -838,6 +845,7 @@
           <a:p>
             <a:fld id="{4BC4965A-71B5-4DD6-96D5-7C255D6F298F}" type="slidenum">
               <a:rPr lang="en-US" smtClean="0"/>
+              <a:pPr/>
               <a:t>‹#›</a:t>
             </a:fld>
             <a:endParaRPr lang="en-US"/>
@@ -1037,6 +1045,7 @@
           <a:p>
             <a:fld id="{6C458181-1538-4C54-9664-3950A985C563}" type="datetimeFigureOut">
               <a:rPr lang="en-US" smtClean="0"/>
+              <a:pPr/>
               <a:t>9/6/2022</a:t>
             </a:fld>
             <a:endParaRPr lang="en-US"/>
@@ -1079,6 +1088,7 @@
           <a:p>
             <a:fld id="{4BC4965A-71B5-4DD6-96D5-7C255D6F298F}" type="slidenum">
               <a:rPr lang="en-US" smtClean="0"/>
+              <a:pPr/>
               <a:t>‹#›</a:t>
             </a:fld>
             <a:endParaRPr lang="en-US"/>
@@ -1320,6 +1330,7 @@
           <a:p>
             <a:fld id="{6C458181-1538-4C54-9664-3950A985C563}" type="datetimeFigureOut">
               <a:rPr lang="en-US" smtClean="0"/>
+              <a:pPr/>
               <a:t>9/6/2022</a:t>
             </a:fld>
             <a:endParaRPr lang="en-US"/>
@@ -1362,6 +1373,7 @@
           <a:p>
             <a:fld id="{4BC4965A-71B5-4DD6-96D5-7C255D6F298F}" type="slidenum">
               <a:rPr lang="en-US" smtClean="0"/>
+              <a:pPr/>
               <a:t>‹#›</a:t>
             </a:fld>
             <a:endParaRPr lang="en-US"/>
@@ -1737,6 +1749,7 @@
           <a:p>
             <a:fld id="{6C458181-1538-4C54-9664-3950A985C563}" type="datetimeFigureOut">
               <a:rPr lang="en-US" smtClean="0"/>
+              <a:pPr/>
               <a:t>9/6/2022</a:t>
             </a:fld>
             <a:endParaRPr lang="en-US"/>
@@ -1779,6 +1792,7 @@
           <a:p>
             <a:fld id="{4BC4965A-71B5-4DD6-96D5-7C255D6F298F}" type="slidenum">
               <a:rPr lang="en-US" smtClean="0"/>
+              <a:pPr/>
               <a:t>‹#›</a:t>
             </a:fld>
             <a:endParaRPr lang="en-US"/>
@@ -1850,6 +1864,7 @@
           <a:p>
             <a:fld id="{6C458181-1538-4C54-9664-3950A985C563}" type="datetimeFigureOut">
               <a:rPr lang="en-US" smtClean="0"/>
+              <a:pPr/>
               <a:t>9/6/2022</a:t>
             </a:fld>
             <a:endParaRPr lang="en-US"/>
@@ -1892,6 +1907,7 @@
           <a:p>
             <a:fld id="{4BC4965A-71B5-4DD6-96D5-7C255D6F298F}" type="slidenum">
               <a:rPr lang="en-US" smtClean="0"/>
+              <a:pPr/>
               <a:t>‹#›</a:t>
             </a:fld>
             <a:endParaRPr lang="en-US"/>
@@ -1940,6 +1956,7 @@
           <a:p>
             <a:fld id="{6C458181-1538-4C54-9664-3950A985C563}" type="datetimeFigureOut">
               <a:rPr lang="en-US" smtClean="0"/>
+              <a:pPr/>
               <a:t>9/6/2022</a:t>
             </a:fld>
             <a:endParaRPr lang="en-US"/>
@@ -1982,6 +1999,7 @@
           <a:p>
             <a:fld id="{4BC4965A-71B5-4DD6-96D5-7C255D6F298F}" type="slidenum">
               <a:rPr lang="en-US" smtClean="0"/>
+              <a:pPr/>
               <a:t>‹#›</a:t>
             </a:fld>
             <a:endParaRPr lang="en-US"/>
@@ -2212,6 +2230,7 @@
           <a:p>
             <a:fld id="{6C458181-1538-4C54-9664-3950A985C563}" type="datetimeFigureOut">
               <a:rPr lang="en-US" smtClean="0"/>
+              <a:pPr/>
               <a:t>9/6/2022</a:t>
             </a:fld>
             <a:endParaRPr lang="en-US"/>
@@ -2254,6 +2273,7 @@
           <a:p>
             <a:fld id="{4BC4965A-71B5-4DD6-96D5-7C255D6F298F}" type="slidenum">
               <a:rPr lang="en-US" smtClean="0"/>
+              <a:pPr/>
               <a:t>‹#›</a:t>
             </a:fld>
             <a:endParaRPr lang="en-US"/>
@@ -2460,6 +2480,7 @@
           <a:p>
             <a:fld id="{6C458181-1538-4C54-9664-3950A985C563}" type="datetimeFigureOut">
               <a:rPr lang="en-US" smtClean="0"/>
+              <a:pPr/>
               <a:t>9/6/2022</a:t>
             </a:fld>
             <a:endParaRPr lang="en-US"/>
@@ -2502,6 +2523,7 @@
           <a:p>
             <a:fld id="{4BC4965A-71B5-4DD6-96D5-7C255D6F298F}" type="slidenum">
               <a:rPr lang="en-US" smtClean="0"/>
+              <a:pPr/>
               <a:t>‹#›</a:t>
             </a:fld>
             <a:endParaRPr lang="en-US"/>
@@ -2668,6 +2690,7 @@
           <a:p>
             <a:fld id="{6C458181-1538-4C54-9664-3950A985C563}" type="datetimeFigureOut">
               <a:rPr lang="en-US" smtClean="0"/>
+              <a:pPr/>
               <a:t>9/6/2022</a:t>
             </a:fld>
             <a:endParaRPr lang="en-US"/>
@@ -2746,6 +2769,7 @@
           <a:p>
             <a:fld id="{4BC4965A-71B5-4DD6-96D5-7C255D6F298F}" type="slidenum">
               <a:rPr lang="en-US" smtClean="0"/>
+              <a:pPr/>
               <a:t>‹#›</a:t>
             </a:fld>
             <a:endParaRPr lang="en-US"/>
@@ -3302,8 +3326,16 @@
           <a:lstStyle/>
           <a:p>
             <a:r>
-              <a:rPr lang="en-US" sz="2700" b="1" dirty="0" smtClean="0"/>
-              <a:t>Automation of the clearing process using AI/ML/ICR/OCR techniques</a:t>
+              <a:rPr lang="en-US" b="1" dirty="0" smtClean="0"/>
+              <a:t>Microsoft Technologies(</a:t>
+            </a:r>
+            <a:r>
+              <a:rPr lang="en-US" b="1" dirty="0" err="1" smtClean="0"/>
+              <a:t>Dotnet</a:t>
+            </a:r>
+            <a:r>
+              <a:rPr lang="en-US" b="1" dirty="0" smtClean="0"/>
+              <a:t> Core)</a:t>
             </a:r>
             <a:r>
               <a:rPr lang="en-US" dirty="0"/>
@@ -3358,9 +3390,49 @@
           </a:p>
           <a:p>
             <a:pPr>
-              <a:buNone/>
+              <a:buFont typeface="Wingdings" pitchFamily="2" charset="2"/>
+              <a:buChar char="q"/>
             </a:pPr>
-            <a:endParaRPr lang="en-IN" sz="2400" dirty="0" smtClean="0"/>
+            <a:r>
+              <a:rPr lang="en-IN" sz="2400" b="1" dirty="0" smtClean="0"/>
+              <a:t>Front </a:t>
+            </a:r>
+            <a:r>
+              <a:rPr lang="en-IN" sz="2400" b="1" dirty="0" smtClean="0"/>
+              <a:t>end technology</a:t>
+            </a:r>
+          </a:p>
+          <a:p>
+            <a:pPr lvl="1">
+              <a:buFont typeface="Wingdings" pitchFamily="2" charset="2"/>
+              <a:buChar char="ü"/>
+            </a:pPr>
+            <a:r>
+              <a:rPr lang="en-IN" sz="2000" b="1" dirty="0" smtClean="0"/>
+              <a:t>Angular(Google) </a:t>
+            </a:r>
+          </a:p>
+          <a:p>
+            <a:pPr lvl="1">
+              <a:buFont typeface="Wingdings" pitchFamily="2" charset="2"/>
+              <a:buChar char="ü"/>
+            </a:pPr>
+            <a:r>
+              <a:rPr lang="en-IN" sz="2000" b="1" dirty="0" err="1" smtClean="0"/>
+              <a:t>Wpf</a:t>
+            </a:r>
+            <a:r>
+              <a:rPr lang="en-IN" sz="2000" b="1" dirty="0" smtClean="0"/>
+              <a:t> (Microsoft </a:t>
+            </a:r>
+            <a:r>
+              <a:rPr lang="en-IN" sz="2000" b="1" dirty="0" err="1" smtClean="0"/>
+              <a:t>.net</a:t>
+            </a:r>
+            <a:r>
+              <a:rPr lang="en-IN" sz="2000" b="1" dirty="0" smtClean="0"/>
+              <a:t> framework)</a:t>
+            </a:r>
           </a:p>
           <a:p>
             <a:pPr>
@@ -3368,9 +3440,18 @@
               <a:buChar char="q"/>
             </a:pPr>
             <a:r>
-              <a:rPr lang="en-IN" sz="2400" dirty="0" smtClean="0"/>
-              <a:t>Front end technology</a:t>
-            </a:r>
+              <a:rPr lang="en-IN" sz="2400" b="1" dirty="0" smtClean="0"/>
+              <a:t>Back </a:t>
+            </a:r>
+            <a:r>
+              <a:rPr lang="en-IN" sz="2400" b="1" dirty="0" smtClean="0"/>
+              <a:t>end </a:t>
+            </a:r>
+            <a:r>
+              <a:rPr lang="en-IN" sz="2400" b="1" dirty="0" smtClean="0"/>
+              <a:t>technology(Microsoft Technologies(Dot net Core))</a:t>
+            </a:r>
+            <a:endParaRPr lang="en-IN" sz="2400" b="1" dirty="0" smtClean="0"/>
           </a:p>
           <a:p>
             <a:pPr lvl="1">
@@ -3378,9 +3459,14 @@
               <a:buChar char="ü"/>
             </a:pPr>
             <a:r>
-              <a:rPr lang="en-IN" sz="2000" dirty="0" smtClean="0"/>
-              <a:t>Angular</a:t>
-            </a:r>
+              <a:rPr lang="en-IN" sz="2000" b="1" dirty="0" smtClean="0"/>
+              <a:t>OCR in .NET </a:t>
+            </a:r>
+            <a:r>
+              <a:rPr lang="en-IN" sz="2000" b="1" dirty="0" smtClean="0"/>
+              <a:t>Core</a:t>
+            </a:r>
+            <a:endParaRPr lang="en-IN" sz="2000" b="1" dirty="0" smtClean="0"/>
           </a:p>
           <a:p>
             <a:pPr lvl="1">
@@ -3388,22 +3474,20 @@
               <a:buChar char="ü"/>
             </a:pPr>
             <a:r>
-              <a:rPr lang="en-IN" sz="2000" dirty="0" err="1" smtClean="0"/>
-              <a:t>Wpf</a:t>
-            </a:r>
-            <a:r>
-              <a:rPr lang="en-IN" sz="2000" dirty="0" smtClean="0"/>
+              <a:rPr lang="en-IN" sz="2000" b="1" dirty="0" smtClean="0"/>
+              <a:t>Web </a:t>
+            </a:r>
+            <a:r>
+              <a:rPr lang="en-IN" sz="2000" b="1" dirty="0" err="1" smtClean="0"/>
+              <a:t>api</a:t>
+            </a:r>
+            <a:r>
+              <a:rPr lang="en-IN" sz="2000" b="1" dirty="0" smtClean="0"/>
               <a:t> </a:t>
             </a:r>
-          </a:p>
-          <a:p>
-            <a:pPr>
-              <a:buFont typeface="Wingdings" pitchFamily="2" charset="2"/>
-              <a:buChar char="q"/>
-            </a:pPr>
-            <a:r>
-              <a:rPr lang="en-IN" sz="2400" dirty="0" smtClean="0"/>
-              <a:t>Back end technology</a:t>
+            <a:r>
+              <a:rPr lang="en-IN" sz="2000" b="1" dirty="0" smtClean="0"/>
+              <a:t>core</a:t>
             </a:r>
           </a:p>
           <a:p>
@@ -3412,25 +3496,10 @@
               <a:buChar char="ü"/>
             </a:pPr>
             <a:r>
-              <a:rPr lang="en-IN" sz="2000" dirty="0" smtClean="0"/>
-              <a:t>OCR in .NET Core install </a:t>
-            </a:r>
-            <a:r>
-              <a:rPr lang="en-IN" sz="2000" dirty="0" err="1" smtClean="0"/>
-              <a:t>nuget</a:t>
-            </a:r>
-            <a:r>
-              <a:rPr lang="en-IN" sz="2000" dirty="0" smtClean="0"/>
-              <a:t> package(or custom </a:t>
-            </a:r>
-            <a:r>
-              <a:rPr lang="en-IN" sz="2000" dirty="0" err="1" smtClean="0"/>
-              <a:t>nuget</a:t>
-            </a:r>
-            <a:r>
-              <a:rPr lang="en-IN" sz="2000" dirty="0" smtClean="0"/>
-              <a:t> package develop for more security purpose)</a:t>
-            </a:r>
+              <a:rPr lang="en-IN" sz="2000" b="1" dirty="0" smtClean="0"/>
+              <a:t>C#</a:t>
+            </a:r>
+            <a:endParaRPr lang="en-IN" sz="2000" b="1" dirty="0" smtClean="0"/>
           </a:p>
           <a:p>
             <a:pPr lvl="1">
@@ -3438,36 +3507,13 @@
               <a:buChar char="ü"/>
             </a:pPr>
             <a:r>
-              <a:rPr lang="en-IN" sz="2000" dirty="0" smtClean="0"/>
-              <a:t>Web </a:t>
-            </a:r>
-            <a:r>
-              <a:rPr lang="en-IN" sz="2000" dirty="0" err="1" smtClean="0"/>
-              <a:t>api</a:t>
-            </a:r>
-            <a:r>
-              <a:rPr lang="en-IN" sz="2000" dirty="0" smtClean="0"/>
-              <a:t> core with C#</a:t>
-            </a:r>
-          </a:p>
-          <a:p>
-            <a:pPr lvl="1">
-              <a:buFont typeface="Wingdings" pitchFamily="2" charset="2"/>
-              <a:buChar char="ü"/>
-            </a:pPr>
-            <a:r>
-              <a:rPr lang="en-IN" sz="2000" dirty="0" smtClean="0"/>
-              <a:t>Kafka messaging tool for auto communication with different bank interlocks(</a:t>
-            </a:r>
-            <a:r>
-              <a:rPr lang="en-IN" sz="2000" dirty="0" err="1" smtClean="0"/>
-              <a:t>api</a:t>
-            </a:r>
-            <a:r>
-              <a:rPr lang="en-IN" sz="2000" dirty="0" smtClean="0"/>
-              <a:t>)</a:t>
-            </a:r>
-            <a:endParaRPr lang="en-IN" sz="2000" dirty="0" smtClean="0"/>
+              <a:rPr lang="en-IN" sz="2000" b="1" dirty="0" smtClean="0"/>
+              <a:t>Kafka messaging tool </a:t>
+            </a:r>
+            <a:r>
+              <a:rPr lang="en-IN" sz="2000" b="1" dirty="0" smtClean="0"/>
+              <a:t>(Java)</a:t>
+            </a:r>
           </a:p>
           <a:p>
             <a:pPr lvl="1">
@@ -3585,7 +3631,11 @@
           <a:p>
             <a:r>
               <a:rPr lang="en-IN" b="1" dirty="0" smtClean="0"/>
-              <a:t>Technical Work flow</a:t>
+              <a:t>Technical </a:t>
+            </a:r>
+            <a:r>
+              <a:rPr lang="en-IN" b="1" dirty="0" smtClean="0"/>
+              <a:t>Work flow</a:t>
             </a:r>
             <a:endParaRPr lang="en-US" b="1" dirty="0"/>
           </a:p>
@@ -4104,13 +4154,15 @@
       <p:cxnSp>
         <p:nvCxnSpPr>
           <p:cNvPr id="33" name="Straight Arrow Connector 32"/>
-          <p:cNvCxnSpPr/>
+          <p:cNvCxnSpPr>
+            <a:endCxn id="9" idx="0"/>
+          </p:cNvCxnSpPr>
           <p:nvPr/>
         </p:nvCxnSpPr>
         <p:spPr>
           <a:xfrm rot="16200000" flipH="1">
-            <a:off x="4607719" y="4679165"/>
-            <a:ext cx="1000132" cy="500066"/>
+            <a:off x="5768586" y="4661305"/>
+            <a:ext cx="500066" cy="321471"/>
           </a:xfrm>
           <a:prstGeom prst="straightConnector1">
             <a:avLst/>
